--- a/PIBM CodeClan_Prtibha Institute Of Bussiness Management_PST_5a720959896c47d4_Round1.pptx
+++ b/PIBM CodeClan_Prtibha Institute Of Bussiness Management_PST_5a720959896c47d4_Round1.pptx
@@ -201,7 +201,7 @@
           <a:p>
             <a:fld id="{5E525886-FDF6-4891-AF7C-695B00CFFE17}" type="datetimeFigureOut">
               <a:rPr lang="en-IN" smtClean="0"/>
-              <a:t>17-10-2025</a:t>
+              <a:t>18-10-2025</a:t>
             </a:fld>
             <a:endParaRPr lang="en-IN"/>
           </a:p>
@@ -1134,7 +1134,7 @@
           <a:p>
             <a:fld id="{9187BBDA-FEE3-4216-B34A-E4D9279211E6}" type="datetimeFigureOut">
               <a:rPr lang="en-IN" smtClean="0"/>
-              <a:t>17-10-2025</a:t>
+              <a:t>18-10-2025</a:t>
             </a:fld>
             <a:endParaRPr lang="en-IN"/>
           </a:p>
@@ -1334,7 +1334,7 @@
           <a:p>
             <a:fld id="{9187BBDA-FEE3-4216-B34A-E4D9279211E6}" type="datetimeFigureOut">
               <a:rPr lang="en-IN" smtClean="0"/>
-              <a:t>17-10-2025</a:t>
+              <a:t>18-10-2025</a:t>
             </a:fld>
             <a:endParaRPr lang="en-IN"/>
           </a:p>
@@ -1544,7 +1544,7 @@
           <a:p>
             <a:fld id="{9187BBDA-FEE3-4216-B34A-E4D9279211E6}" type="datetimeFigureOut">
               <a:rPr lang="en-IN" smtClean="0"/>
-              <a:t>17-10-2025</a:t>
+              <a:t>18-10-2025</a:t>
             </a:fld>
             <a:endParaRPr lang="en-IN"/>
           </a:p>
@@ -1744,7 +1744,7 @@
           <a:p>
             <a:fld id="{9187BBDA-FEE3-4216-B34A-E4D9279211E6}" type="datetimeFigureOut">
               <a:rPr lang="en-IN" smtClean="0"/>
-              <a:t>17-10-2025</a:t>
+              <a:t>18-10-2025</a:t>
             </a:fld>
             <a:endParaRPr lang="en-IN"/>
           </a:p>
@@ -2020,7 +2020,7 @@
           <a:p>
             <a:fld id="{9187BBDA-FEE3-4216-B34A-E4D9279211E6}" type="datetimeFigureOut">
               <a:rPr lang="en-IN" smtClean="0"/>
-              <a:t>17-10-2025</a:t>
+              <a:t>18-10-2025</a:t>
             </a:fld>
             <a:endParaRPr lang="en-IN"/>
           </a:p>
@@ -2288,7 +2288,7 @@
           <a:p>
             <a:fld id="{9187BBDA-FEE3-4216-B34A-E4D9279211E6}" type="datetimeFigureOut">
               <a:rPr lang="en-IN" smtClean="0"/>
-              <a:t>17-10-2025</a:t>
+              <a:t>18-10-2025</a:t>
             </a:fld>
             <a:endParaRPr lang="en-IN"/>
           </a:p>
@@ -2703,7 +2703,7 @@
           <a:p>
             <a:fld id="{9187BBDA-FEE3-4216-B34A-E4D9279211E6}" type="datetimeFigureOut">
               <a:rPr lang="en-IN" smtClean="0"/>
-              <a:t>17-10-2025</a:t>
+              <a:t>18-10-2025</a:t>
             </a:fld>
             <a:endParaRPr lang="en-IN"/>
           </a:p>
@@ -2845,7 +2845,7 @@
           <a:p>
             <a:fld id="{9187BBDA-FEE3-4216-B34A-E4D9279211E6}" type="datetimeFigureOut">
               <a:rPr lang="en-IN" smtClean="0"/>
-              <a:t>17-10-2025</a:t>
+              <a:t>18-10-2025</a:t>
             </a:fld>
             <a:endParaRPr lang="en-IN"/>
           </a:p>
@@ -2958,7 +2958,7 @@
           <a:p>
             <a:fld id="{9187BBDA-FEE3-4216-B34A-E4D9279211E6}" type="datetimeFigureOut">
               <a:rPr lang="en-IN" smtClean="0"/>
-              <a:t>17-10-2025</a:t>
+              <a:t>18-10-2025</a:t>
             </a:fld>
             <a:endParaRPr lang="en-IN"/>
           </a:p>
@@ -3271,7 +3271,7 @@
           <a:p>
             <a:fld id="{9187BBDA-FEE3-4216-B34A-E4D9279211E6}" type="datetimeFigureOut">
               <a:rPr lang="en-IN" smtClean="0"/>
-              <a:t>17-10-2025</a:t>
+              <a:t>18-10-2025</a:t>
             </a:fld>
             <a:endParaRPr lang="en-IN"/>
           </a:p>
@@ -3560,7 +3560,7 @@
           <a:p>
             <a:fld id="{9187BBDA-FEE3-4216-B34A-E4D9279211E6}" type="datetimeFigureOut">
               <a:rPr lang="en-IN" smtClean="0"/>
-              <a:t>17-10-2025</a:t>
+              <a:t>18-10-2025</a:t>
             </a:fld>
             <a:endParaRPr lang="en-IN"/>
           </a:p>
@@ -3803,7 +3803,7 @@
           <a:p>
             <a:fld id="{9187BBDA-FEE3-4216-B34A-E4D9279211E6}" type="datetimeFigureOut">
               <a:rPr lang="en-IN" smtClean="0"/>
-              <a:t>17-10-2025</a:t>
+              <a:t>18-10-2025</a:t>
             </a:fld>
             <a:endParaRPr lang="en-IN"/>
           </a:p>
@@ -5276,7 +5276,7 @@
                     <a:ea typeface="ADLaM Display" panose="02010000000000000000" pitchFamily="2" charset="0"/>
                     <a:cs typeface="ADLaM Display" panose="02010000000000000000" pitchFamily="2" charset="0"/>
                   </a:rPr>
-                  <a:t>9322069509</a:t>
+                  <a:t>9322063509</a:t>
                 </a:r>
               </a:p>
               <a:p>
@@ -6671,13 +6671,13 @@
   <p:clrMapOvr>
     <a:masterClrMapping/>
   </p:clrMapOvr>
-  <mc:AlternateContent xmlns:mc="http://schemas.openxmlformats.org/markup-compatibility/2006">
-    <mc:Choice xmlns:p159="http://schemas.microsoft.com/office/powerpoint/2015/09/main" Requires="p159">
+  <mc:AlternateContent xmlns:mc="http://schemas.openxmlformats.org/markup-compatibility/2006" xmlns:p159="http://schemas.microsoft.com/office/powerpoint/2015/09/main">
+    <mc:Choice Requires="p159">
       <p:transition xmlns:p14="http://schemas.microsoft.com/office/powerpoint/2010/main" spd="slow" p14:dur="2000">
         <p159:morph option="byObject"/>
       </p:transition>
     </mc:Choice>
-    <mc:Fallback>
+    <mc:Fallback xmlns="">
       <p:transition spd="slow">
         <p:fade/>
       </p:transition>
@@ -7707,13 +7707,13 @@
   <p:clrMapOvr>
     <a:masterClrMapping/>
   </p:clrMapOvr>
-  <mc:AlternateContent xmlns:mc="http://schemas.openxmlformats.org/markup-compatibility/2006">
-    <mc:Choice xmlns:p159="http://schemas.microsoft.com/office/powerpoint/2015/09/main" Requires="p159">
+  <mc:AlternateContent xmlns:mc="http://schemas.openxmlformats.org/markup-compatibility/2006" xmlns:p159="http://schemas.microsoft.com/office/powerpoint/2015/09/main">
+    <mc:Choice Requires="p159">
       <p:transition xmlns:p14="http://schemas.microsoft.com/office/powerpoint/2010/main" spd="slow" p14:dur="2000">
         <p159:morph option="byObject"/>
       </p:transition>
     </mc:Choice>
-    <mc:Fallback>
+    <mc:Fallback xmlns="">
       <p:transition spd="slow">
         <p:fade/>
       </p:transition>
@@ -8742,13 +8742,13 @@
   <p:clrMapOvr>
     <a:masterClrMapping/>
   </p:clrMapOvr>
-  <mc:AlternateContent xmlns:mc="http://schemas.openxmlformats.org/markup-compatibility/2006">
-    <mc:Choice xmlns:p159="http://schemas.microsoft.com/office/powerpoint/2015/09/main" Requires="p159">
+  <mc:AlternateContent xmlns:mc="http://schemas.openxmlformats.org/markup-compatibility/2006" xmlns:p159="http://schemas.microsoft.com/office/powerpoint/2015/09/main">
+    <mc:Choice Requires="p159">
       <p:transition xmlns:p14="http://schemas.microsoft.com/office/powerpoint/2010/main" spd="slow" p14:dur="2000">
         <p159:morph option="byObject"/>
       </p:transition>
     </mc:Choice>
-    <mc:Fallback>
+    <mc:Fallback xmlns="">
       <p:transition spd="slow">
         <p:fade/>
       </p:transition>
@@ -9670,13 +9670,13 @@
   <p:clrMapOvr>
     <a:masterClrMapping/>
   </p:clrMapOvr>
-  <mc:AlternateContent xmlns:mc="http://schemas.openxmlformats.org/markup-compatibility/2006">
-    <mc:Choice xmlns:p159="http://schemas.microsoft.com/office/powerpoint/2015/09/main" Requires="p159">
+  <mc:AlternateContent xmlns:mc="http://schemas.openxmlformats.org/markup-compatibility/2006" xmlns:p159="http://schemas.microsoft.com/office/powerpoint/2015/09/main">
+    <mc:Choice Requires="p159">
       <p:transition xmlns:p14="http://schemas.microsoft.com/office/powerpoint/2010/main" spd="slow" p14:dur="2000">
         <p159:morph option="byObject"/>
       </p:transition>
     </mc:Choice>
-    <mc:Fallback>
+    <mc:Fallback xmlns="">
       <p:transition spd="slow">
         <p:fade/>
       </p:transition>
